--- a/WiringsV5.pptx
+++ b/WiringsV5.pptx
@@ -5740,6 +5740,105 @@
           </a:fontRef>
         </p:style>
       </p:cxnSp>
+      <p:sp>
+        <p:nvSpPr>
+          <p:cNvPr id="2" name="타원 23">
+            <a:extLst>
+              <a:ext uri="{FF2B5EF4-FFF2-40B4-BE49-F238E27FC236}">
+                <a16:creationId xmlns:a16="http://schemas.microsoft.com/office/drawing/2014/main" id="{5FE427E4-59F9-8783-77D6-0D6A35E64806}"/>
+              </a:ext>
+            </a:extLst>
+          </p:cNvPr>
+          <p:cNvSpPr/>
+          <p:nvPr/>
+        </p:nvSpPr>
+        <p:spPr>
+          <a:xfrm rot="10800000">
+            <a:off x="9047821" y="4028070"/>
+            <a:ext cx="198417" cy="189016"/>
+          </a:xfrm>
+          <a:prstGeom prst="ellipse">
+            <a:avLst/>
+          </a:prstGeom>
+          <a:solidFill>
+            <a:srgbClr val="FFC000"/>
+          </a:solidFill>
+          <a:ln>
+            <a:noFill/>
+          </a:ln>
+        </p:spPr>
+        <p:style>
+          <a:lnRef idx="2">
+            <a:schemeClr val="accent1">
+              <a:shade val="50000"/>
+            </a:schemeClr>
+          </a:lnRef>
+          <a:fillRef idx="1">
+            <a:schemeClr val="accent1"/>
+          </a:fillRef>
+          <a:effectRef idx="0">
+            <a:schemeClr val="accent1"/>
+          </a:effectRef>
+          <a:fontRef idx="minor">
+            <a:schemeClr val="lt1"/>
+          </a:fontRef>
+        </p:style>
+        <p:txBody>
+          <a:bodyPr rtlCol="0" anchor="ctr"/>
+          <a:lstStyle/>
+          <a:p>
+            <a:pPr algn="ctr"/>
+            <a:endParaRPr lang="ko-KR" altLang="en-US" dirty="0"/>
+          </a:p>
+        </p:txBody>
+      </p:sp>
+      <p:cxnSp>
+        <p:nvCxnSpPr>
+          <p:cNvPr id="3" name="연결선: 구부러짐 33">
+            <a:extLst>
+              <a:ext uri="{FF2B5EF4-FFF2-40B4-BE49-F238E27FC236}">
+                <a16:creationId xmlns:a16="http://schemas.microsoft.com/office/drawing/2014/main" id="{BC381649-DF17-E1D7-5CC2-DB5890339435}"/>
+              </a:ext>
+            </a:extLst>
+          </p:cNvPr>
+          <p:cNvCxnSpPr>
+            <a:cxnSpLocks/>
+            <a:stCxn id="59" idx="6"/>
+            <a:endCxn id="2" idx="6"/>
+          </p:cNvCxnSpPr>
+          <p:nvPr/>
+        </p:nvCxnSpPr>
+        <p:spPr>
+          <a:xfrm>
+            <a:off x="7119545" y="3781490"/>
+            <a:ext cx="1928276" cy="341088"/>
+          </a:xfrm>
+          <a:prstGeom prst="curvedConnector3">
+            <a:avLst>
+              <a:gd name="adj1" fmla="val 50000"/>
+            </a:avLst>
+          </a:prstGeom>
+          <a:ln w="63500">
+            <a:solidFill>
+              <a:srgbClr val="FFC000"/>
+            </a:solidFill>
+          </a:ln>
+        </p:spPr>
+        <p:style>
+          <a:lnRef idx="1">
+            <a:schemeClr val="accent1"/>
+          </a:lnRef>
+          <a:fillRef idx="0">
+            <a:schemeClr val="accent1"/>
+          </a:fillRef>
+          <a:effectRef idx="0">
+            <a:schemeClr val="accent1"/>
+          </a:effectRef>
+          <a:fontRef idx="minor">
+            <a:schemeClr val="tx1"/>
+          </a:fontRef>
+        </p:style>
+      </p:cxnSp>
     </p:spTree>
     <p:extLst>
       <p:ext uri="{BB962C8B-B14F-4D97-AF65-F5344CB8AC3E}">

--- a/WiringsV5.pptx
+++ b/WiringsV5.pptx
@@ -6,6 +6,7 @@
   </p:sldMasterIdLst>
   <p:sldIdLst>
     <p:sldId id="261" r:id="rId2"/>
+    <p:sldId id="262" r:id="rId3"/>
   </p:sldIdLst>
   <p:sldSz cx="12192000" cy="6858000"/>
   <p:notesSz cx="7099300" cy="9385300"/>
@@ -5852,6 +5853,906 @@
 </p:sld>
 </file>
 
+<file path=ppt/slides/slide2.xml><?xml version="1.0" encoding="utf-8"?>
+<p:sld xmlns:a="http://schemas.openxmlformats.org/drawingml/2006/main" xmlns:r="http://schemas.openxmlformats.org/officeDocument/2006/relationships" xmlns:p="http://schemas.openxmlformats.org/presentationml/2006/main">
+  <p:cSld>
+    <p:spTree>
+      <p:nvGrpSpPr>
+        <p:cNvPr id="1" name="">
+          <a:extLst>
+            <a:ext uri="{FF2B5EF4-FFF2-40B4-BE49-F238E27FC236}">
+              <a16:creationId xmlns:a16="http://schemas.microsoft.com/office/drawing/2014/main" id="{4BE3A0D2-EA8F-DE78-1A35-F4B3886F7CE5}"/>
+            </a:ext>
+          </a:extLst>
+        </p:cNvPr>
+        <p:cNvGrpSpPr/>
+        <p:nvPr/>
+      </p:nvGrpSpPr>
+      <p:grpSpPr>
+        <a:xfrm>
+          <a:off x="0" y="0"/>
+          <a:ext cx="0" cy="0"/>
+          <a:chOff x="0" y="0"/>
+          <a:chExt cx="0" cy="0"/>
+        </a:xfrm>
+      </p:grpSpPr>
+      <p:pic>
+        <p:nvPicPr>
+          <p:cNvPr id="5" name="그림 4">
+            <a:extLst>
+              <a:ext uri="{FF2B5EF4-FFF2-40B4-BE49-F238E27FC236}">
+                <a16:creationId xmlns:a16="http://schemas.microsoft.com/office/drawing/2014/main" id="{2714926B-EEC8-8F1C-9292-FA0FAE34C40F}"/>
+              </a:ext>
+            </a:extLst>
+          </p:cNvPr>
+          <p:cNvPicPr>
+            <a:picLocks noChangeAspect="1"/>
+          </p:cNvPicPr>
+          <p:nvPr/>
+        </p:nvPicPr>
+        <p:blipFill>
+          <a:blip r:embed="rId2"/>
+          <a:stretch>
+            <a:fillRect/>
+          </a:stretch>
+        </p:blipFill>
+        <p:spPr>
+          <a:xfrm>
+            <a:off x="3825780" y="1184481"/>
+            <a:ext cx="4466474" cy="4466474"/>
+          </a:xfrm>
+          <a:prstGeom prst="rect">
+            <a:avLst/>
+          </a:prstGeom>
+        </p:spPr>
+      </p:pic>
+      <p:pic>
+        <p:nvPicPr>
+          <p:cNvPr id="69" name="Image 68">
+            <a:extLst>
+              <a:ext uri="{FF2B5EF4-FFF2-40B4-BE49-F238E27FC236}">
+                <a16:creationId xmlns:a16="http://schemas.microsoft.com/office/drawing/2014/main" id="{4B5CD535-8657-79E8-D78F-0543AEF20981}"/>
+              </a:ext>
+            </a:extLst>
+          </p:cNvPr>
+          <p:cNvPicPr>
+            <a:picLocks noChangeAspect="1"/>
+          </p:cNvPicPr>
+          <p:nvPr/>
+        </p:nvPicPr>
+        <p:blipFill>
+          <a:blip r:embed="rId3"/>
+          <a:stretch>
+            <a:fillRect/>
+          </a:stretch>
+        </p:blipFill>
+        <p:spPr>
+          <a:xfrm rot="16200000">
+            <a:off x="978073" y="2308697"/>
+            <a:ext cx="2847396" cy="1731331"/>
+          </a:xfrm>
+          <a:prstGeom prst="rect">
+            <a:avLst/>
+          </a:prstGeom>
+        </p:spPr>
+      </p:pic>
+      <p:sp>
+        <p:nvSpPr>
+          <p:cNvPr id="6" name="타원 5">
+            <a:extLst>
+              <a:ext uri="{FF2B5EF4-FFF2-40B4-BE49-F238E27FC236}">
+                <a16:creationId xmlns:a16="http://schemas.microsoft.com/office/drawing/2014/main" id="{2CFA22B4-6861-379E-4BC1-1116AECB56BB}"/>
+              </a:ext>
+            </a:extLst>
+          </p:cNvPr>
+          <p:cNvSpPr/>
+          <p:nvPr/>
+        </p:nvSpPr>
+        <p:spPr>
+          <a:xfrm>
+            <a:off x="6921128" y="4000388"/>
+            <a:ext cx="198417" cy="189016"/>
+          </a:xfrm>
+          <a:prstGeom prst="ellipse">
+            <a:avLst/>
+          </a:prstGeom>
+          <a:solidFill>
+            <a:schemeClr val="tx1"/>
+          </a:solidFill>
+          <a:ln>
+            <a:noFill/>
+          </a:ln>
+        </p:spPr>
+        <p:style>
+          <a:lnRef idx="2">
+            <a:schemeClr val="accent1">
+              <a:shade val="50000"/>
+            </a:schemeClr>
+          </a:lnRef>
+          <a:fillRef idx="1">
+            <a:schemeClr val="accent1"/>
+          </a:fillRef>
+          <a:effectRef idx="0">
+            <a:schemeClr val="accent1"/>
+          </a:effectRef>
+          <a:fontRef idx="minor">
+            <a:schemeClr val="lt1"/>
+          </a:fontRef>
+        </p:style>
+        <p:txBody>
+          <a:bodyPr rtlCol="0" anchor="ctr"/>
+          <a:lstStyle/>
+          <a:p>
+            <a:pPr algn="ctr"/>
+            <a:endParaRPr lang="ko-KR" altLang="en-US"/>
+          </a:p>
+        </p:txBody>
+      </p:sp>
+      <p:sp>
+        <p:nvSpPr>
+          <p:cNvPr id="18" name="타원 17">
+            <a:extLst>
+              <a:ext uri="{FF2B5EF4-FFF2-40B4-BE49-F238E27FC236}">
+                <a16:creationId xmlns:a16="http://schemas.microsoft.com/office/drawing/2014/main" id="{3B9AE25A-C4BC-CEDF-01A1-4E337953EF62}"/>
+              </a:ext>
+            </a:extLst>
+          </p:cNvPr>
+          <p:cNvSpPr/>
+          <p:nvPr/>
+        </p:nvSpPr>
+        <p:spPr>
+          <a:xfrm>
+            <a:off x="3008360" y="4361039"/>
+            <a:ext cx="198417" cy="189016"/>
+          </a:xfrm>
+          <a:prstGeom prst="ellipse">
+            <a:avLst/>
+          </a:prstGeom>
+          <a:solidFill>
+            <a:srgbClr val="FF0000"/>
+          </a:solidFill>
+          <a:ln>
+            <a:noFill/>
+          </a:ln>
+        </p:spPr>
+        <p:style>
+          <a:lnRef idx="2">
+            <a:schemeClr val="accent1">
+              <a:shade val="50000"/>
+            </a:schemeClr>
+          </a:lnRef>
+          <a:fillRef idx="1">
+            <a:schemeClr val="accent1"/>
+          </a:fillRef>
+          <a:effectRef idx="0">
+            <a:schemeClr val="accent1"/>
+          </a:effectRef>
+          <a:fontRef idx="minor">
+            <a:schemeClr val="lt1"/>
+          </a:fontRef>
+        </p:style>
+        <p:txBody>
+          <a:bodyPr rtlCol="0" anchor="ctr"/>
+          <a:lstStyle/>
+          <a:p>
+            <a:pPr algn="ctr"/>
+            <a:endParaRPr lang="ko-KR" altLang="en-US"/>
+          </a:p>
+        </p:txBody>
+      </p:sp>
+      <p:sp>
+        <p:nvSpPr>
+          <p:cNvPr id="19" name="타원 18">
+            <a:extLst>
+              <a:ext uri="{FF2B5EF4-FFF2-40B4-BE49-F238E27FC236}">
+                <a16:creationId xmlns:a16="http://schemas.microsoft.com/office/drawing/2014/main" id="{DAD1ED22-3D3E-CC57-09F9-1FFB82EDE1D7}"/>
+              </a:ext>
+            </a:extLst>
+          </p:cNvPr>
+          <p:cNvSpPr/>
+          <p:nvPr/>
+        </p:nvSpPr>
+        <p:spPr>
+          <a:xfrm>
+            <a:off x="4513162" y="4277990"/>
+            <a:ext cx="198417" cy="189016"/>
+          </a:xfrm>
+          <a:prstGeom prst="ellipse">
+            <a:avLst/>
+          </a:prstGeom>
+          <a:solidFill>
+            <a:srgbClr val="FF0000"/>
+          </a:solidFill>
+          <a:ln>
+            <a:noFill/>
+          </a:ln>
+        </p:spPr>
+        <p:style>
+          <a:lnRef idx="2">
+            <a:schemeClr val="accent1">
+              <a:shade val="50000"/>
+            </a:schemeClr>
+          </a:lnRef>
+          <a:fillRef idx="1">
+            <a:schemeClr val="accent1"/>
+          </a:fillRef>
+          <a:effectRef idx="0">
+            <a:schemeClr val="accent1"/>
+          </a:effectRef>
+          <a:fontRef idx="minor">
+            <a:schemeClr val="lt1"/>
+          </a:fontRef>
+        </p:style>
+        <p:txBody>
+          <a:bodyPr rtlCol="0" anchor="ctr"/>
+          <a:lstStyle/>
+          <a:p>
+            <a:pPr algn="ctr"/>
+            <a:endParaRPr lang="ko-KR" altLang="en-US"/>
+          </a:p>
+        </p:txBody>
+      </p:sp>
+      <p:sp>
+        <p:nvSpPr>
+          <p:cNvPr id="20" name="타원 19">
+            <a:extLst>
+              <a:ext uri="{FF2B5EF4-FFF2-40B4-BE49-F238E27FC236}">
+                <a16:creationId xmlns:a16="http://schemas.microsoft.com/office/drawing/2014/main" id="{BD96E0E6-383B-2F35-8D4B-F8DD92DF4AB5}"/>
+              </a:ext>
+            </a:extLst>
+          </p:cNvPr>
+          <p:cNvSpPr/>
+          <p:nvPr/>
+        </p:nvSpPr>
+        <p:spPr>
+          <a:xfrm>
+            <a:off x="3011389" y="4091029"/>
+            <a:ext cx="198417" cy="189016"/>
+          </a:xfrm>
+          <a:prstGeom prst="ellipse">
+            <a:avLst/>
+          </a:prstGeom>
+          <a:solidFill>
+            <a:schemeClr val="tx1"/>
+          </a:solidFill>
+          <a:ln>
+            <a:noFill/>
+          </a:ln>
+        </p:spPr>
+        <p:style>
+          <a:lnRef idx="2">
+            <a:schemeClr val="accent1">
+              <a:shade val="50000"/>
+            </a:schemeClr>
+          </a:lnRef>
+          <a:fillRef idx="1">
+            <a:schemeClr val="accent1"/>
+          </a:fillRef>
+          <a:effectRef idx="0">
+            <a:schemeClr val="accent1"/>
+          </a:effectRef>
+          <a:fontRef idx="minor">
+            <a:schemeClr val="lt1"/>
+          </a:fontRef>
+        </p:style>
+        <p:txBody>
+          <a:bodyPr rtlCol="0" anchor="ctr"/>
+          <a:lstStyle/>
+          <a:p>
+            <a:pPr algn="ctr"/>
+            <a:endParaRPr lang="ko-KR" altLang="en-US"/>
+          </a:p>
+        </p:txBody>
+      </p:sp>
+      <p:sp>
+        <p:nvSpPr>
+          <p:cNvPr id="21" name="타원 20">
+            <a:extLst>
+              <a:ext uri="{FF2B5EF4-FFF2-40B4-BE49-F238E27FC236}">
+                <a16:creationId xmlns:a16="http://schemas.microsoft.com/office/drawing/2014/main" id="{4F496199-087C-1F39-577E-C70B2AEDC7FE}"/>
+              </a:ext>
+            </a:extLst>
+          </p:cNvPr>
+          <p:cNvSpPr/>
+          <p:nvPr/>
+        </p:nvSpPr>
+        <p:spPr>
+          <a:xfrm>
+            <a:off x="4513161" y="3683648"/>
+            <a:ext cx="198417" cy="189016"/>
+          </a:xfrm>
+          <a:prstGeom prst="ellipse">
+            <a:avLst/>
+          </a:prstGeom>
+          <a:solidFill>
+            <a:srgbClr val="FFFF00"/>
+          </a:solidFill>
+          <a:ln>
+            <a:noFill/>
+          </a:ln>
+        </p:spPr>
+        <p:style>
+          <a:lnRef idx="2">
+            <a:schemeClr val="accent1">
+              <a:shade val="50000"/>
+            </a:schemeClr>
+          </a:lnRef>
+          <a:fillRef idx="1">
+            <a:schemeClr val="accent1"/>
+          </a:fillRef>
+          <a:effectRef idx="0">
+            <a:schemeClr val="accent1"/>
+          </a:effectRef>
+          <a:fontRef idx="minor">
+            <a:schemeClr val="lt1"/>
+          </a:fontRef>
+        </p:style>
+        <p:txBody>
+          <a:bodyPr rtlCol="0" anchor="ctr"/>
+          <a:lstStyle/>
+          <a:p>
+            <a:pPr algn="ctr"/>
+            <a:endParaRPr lang="ko-KR" altLang="en-US" dirty="0"/>
+          </a:p>
+        </p:txBody>
+      </p:sp>
+      <p:sp>
+        <p:nvSpPr>
+          <p:cNvPr id="22" name="타원 21">
+            <a:extLst>
+              <a:ext uri="{FF2B5EF4-FFF2-40B4-BE49-F238E27FC236}">
+                <a16:creationId xmlns:a16="http://schemas.microsoft.com/office/drawing/2014/main" id="{0FECA3B0-4895-42ED-CD1A-085DCB879485}"/>
+              </a:ext>
+            </a:extLst>
+          </p:cNvPr>
+          <p:cNvSpPr/>
+          <p:nvPr/>
+        </p:nvSpPr>
+        <p:spPr>
+          <a:xfrm>
+            <a:off x="4513162" y="3402180"/>
+            <a:ext cx="198417" cy="189016"/>
+          </a:xfrm>
+          <a:prstGeom prst="ellipse">
+            <a:avLst/>
+          </a:prstGeom>
+          <a:solidFill>
+            <a:schemeClr val="bg1">
+              <a:lumMod val="50000"/>
+            </a:schemeClr>
+          </a:solidFill>
+          <a:ln>
+            <a:noFill/>
+          </a:ln>
+        </p:spPr>
+        <p:style>
+          <a:lnRef idx="2">
+            <a:schemeClr val="accent1">
+              <a:shade val="50000"/>
+            </a:schemeClr>
+          </a:lnRef>
+          <a:fillRef idx="1">
+            <a:schemeClr val="accent1"/>
+          </a:fillRef>
+          <a:effectRef idx="0">
+            <a:schemeClr val="accent1"/>
+          </a:effectRef>
+          <a:fontRef idx="minor">
+            <a:schemeClr val="lt1"/>
+          </a:fontRef>
+        </p:style>
+        <p:txBody>
+          <a:bodyPr rtlCol="0" anchor="ctr"/>
+          <a:lstStyle/>
+          <a:p>
+            <a:pPr algn="ctr"/>
+            <a:endParaRPr lang="ko-KR" altLang="en-US"/>
+          </a:p>
+        </p:txBody>
+      </p:sp>
+      <p:sp>
+        <p:nvSpPr>
+          <p:cNvPr id="23" name="타원 22">
+            <a:extLst>
+              <a:ext uri="{FF2B5EF4-FFF2-40B4-BE49-F238E27FC236}">
+                <a16:creationId xmlns:a16="http://schemas.microsoft.com/office/drawing/2014/main" id="{4A86CABF-57C2-BE00-540F-B4142D7FF1BF}"/>
+              </a:ext>
+            </a:extLst>
+          </p:cNvPr>
+          <p:cNvSpPr/>
+          <p:nvPr/>
+        </p:nvSpPr>
+        <p:spPr>
+          <a:xfrm>
+            <a:off x="2966450" y="3547554"/>
+            <a:ext cx="198417" cy="189016"/>
+          </a:xfrm>
+          <a:prstGeom prst="ellipse">
+            <a:avLst/>
+          </a:prstGeom>
+          <a:solidFill>
+            <a:schemeClr val="bg1">
+              <a:lumMod val="50000"/>
+            </a:schemeClr>
+          </a:solidFill>
+          <a:ln>
+            <a:noFill/>
+          </a:ln>
+        </p:spPr>
+        <p:style>
+          <a:lnRef idx="2">
+            <a:schemeClr val="accent1">
+              <a:shade val="50000"/>
+            </a:schemeClr>
+          </a:lnRef>
+          <a:fillRef idx="1">
+            <a:schemeClr val="accent1"/>
+          </a:fillRef>
+          <a:effectRef idx="0">
+            <a:schemeClr val="accent1"/>
+          </a:effectRef>
+          <a:fontRef idx="minor">
+            <a:schemeClr val="lt1"/>
+          </a:fontRef>
+        </p:style>
+        <p:txBody>
+          <a:bodyPr rtlCol="0" anchor="ctr"/>
+          <a:lstStyle/>
+          <a:p>
+            <a:pPr algn="ctr"/>
+            <a:endParaRPr lang="ko-KR" altLang="en-US"/>
+          </a:p>
+        </p:txBody>
+      </p:sp>
+      <p:cxnSp>
+        <p:nvCxnSpPr>
+          <p:cNvPr id="40" name="연결선: 구부러짐 39">
+            <a:extLst>
+              <a:ext uri="{FF2B5EF4-FFF2-40B4-BE49-F238E27FC236}">
+                <a16:creationId xmlns:a16="http://schemas.microsoft.com/office/drawing/2014/main" id="{022E22B7-9600-67A7-12CC-CA2576F19408}"/>
+              </a:ext>
+            </a:extLst>
+          </p:cNvPr>
+          <p:cNvCxnSpPr>
+            <a:cxnSpLocks/>
+            <a:stCxn id="100" idx="6"/>
+            <a:endCxn id="21" idx="2"/>
+          </p:cNvCxnSpPr>
+          <p:nvPr/>
+        </p:nvCxnSpPr>
+        <p:spPr>
+          <a:xfrm flipV="1">
+            <a:off x="3168583" y="3778156"/>
+            <a:ext cx="1344578" cy="92377"/>
+          </a:xfrm>
+          <a:prstGeom prst="curvedConnector3">
+            <a:avLst>
+              <a:gd name="adj1" fmla="val 50000"/>
+            </a:avLst>
+          </a:prstGeom>
+          <a:ln w="63500">
+            <a:solidFill>
+              <a:srgbClr val="FFFF00"/>
+            </a:solidFill>
+          </a:ln>
+        </p:spPr>
+        <p:style>
+          <a:lnRef idx="1">
+            <a:schemeClr val="accent1"/>
+          </a:lnRef>
+          <a:fillRef idx="0">
+            <a:schemeClr val="accent1"/>
+          </a:fillRef>
+          <a:effectRef idx="0">
+            <a:schemeClr val="accent1"/>
+          </a:effectRef>
+          <a:fontRef idx="minor">
+            <a:schemeClr val="tx1"/>
+          </a:fontRef>
+        </p:style>
+      </p:cxnSp>
+      <p:cxnSp>
+        <p:nvCxnSpPr>
+          <p:cNvPr id="43" name="연결선: 구부러짐 42">
+            <a:extLst>
+              <a:ext uri="{FF2B5EF4-FFF2-40B4-BE49-F238E27FC236}">
+                <a16:creationId xmlns:a16="http://schemas.microsoft.com/office/drawing/2014/main" id="{47FE64D6-EFBB-F287-8544-0282A4E9478C}"/>
+              </a:ext>
+            </a:extLst>
+          </p:cNvPr>
+          <p:cNvCxnSpPr>
+            <a:cxnSpLocks/>
+            <a:stCxn id="23" idx="6"/>
+            <a:endCxn id="22" idx="2"/>
+          </p:cNvCxnSpPr>
+          <p:nvPr/>
+        </p:nvCxnSpPr>
+        <p:spPr>
+          <a:xfrm flipV="1">
+            <a:off x="3164867" y="3496688"/>
+            <a:ext cx="1348295" cy="145374"/>
+          </a:xfrm>
+          <a:prstGeom prst="curvedConnector3">
+            <a:avLst>
+              <a:gd name="adj1" fmla="val 50000"/>
+            </a:avLst>
+          </a:prstGeom>
+          <a:ln w="63500">
+            <a:solidFill>
+              <a:schemeClr val="bg1">
+                <a:lumMod val="50000"/>
+              </a:schemeClr>
+            </a:solidFill>
+          </a:ln>
+        </p:spPr>
+        <p:style>
+          <a:lnRef idx="1">
+            <a:schemeClr val="accent1"/>
+          </a:lnRef>
+          <a:fillRef idx="0">
+            <a:schemeClr val="accent1"/>
+          </a:fillRef>
+          <a:effectRef idx="0">
+            <a:schemeClr val="accent1"/>
+          </a:effectRef>
+          <a:fontRef idx="minor">
+            <a:schemeClr val="tx1"/>
+          </a:fontRef>
+        </p:style>
+      </p:cxnSp>
+      <p:sp>
+        <p:nvSpPr>
+          <p:cNvPr id="100" name="타원 20">
+            <a:extLst>
+              <a:ext uri="{FF2B5EF4-FFF2-40B4-BE49-F238E27FC236}">
+                <a16:creationId xmlns:a16="http://schemas.microsoft.com/office/drawing/2014/main" id="{CBFD7C09-09FA-6087-0931-1573F50D5A6C}"/>
+              </a:ext>
+            </a:extLst>
+          </p:cNvPr>
+          <p:cNvSpPr/>
+          <p:nvPr/>
+        </p:nvSpPr>
+        <p:spPr>
+          <a:xfrm>
+            <a:off x="2970166" y="3776025"/>
+            <a:ext cx="198417" cy="189016"/>
+          </a:xfrm>
+          <a:prstGeom prst="ellipse">
+            <a:avLst/>
+          </a:prstGeom>
+          <a:solidFill>
+            <a:srgbClr val="FFFF00"/>
+          </a:solidFill>
+          <a:ln>
+            <a:noFill/>
+          </a:ln>
+        </p:spPr>
+        <p:style>
+          <a:lnRef idx="2">
+            <a:schemeClr val="accent1">
+              <a:shade val="50000"/>
+            </a:schemeClr>
+          </a:lnRef>
+          <a:fillRef idx="1">
+            <a:schemeClr val="accent1"/>
+          </a:fillRef>
+          <a:effectRef idx="0">
+            <a:schemeClr val="accent1"/>
+          </a:effectRef>
+          <a:fontRef idx="minor">
+            <a:schemeClr val="lt1"/>
+          </a:fontRef>
+        </p:style>
+        <p:txBody>
+          <a:bodyPr rtlCol="0" anchor="ctr"/>
+          <a:lstStyle/>
+          <a:p>
+            <a:pPr algn="ctr"/>
+            <a:endParaRPr lang="ko-KR" altLang="en-US" dirty="0"/>
+          </a:p>
+        </p:txBody>
+      </p:sp>
+      <p:cxnSp>
+        <p:nvCxnSpPr>
+          <p:cNvPr id="110" name="연결선: 구부러짐 30">
+            <a:extLst>
+              <a:ext uri="{FF2B5EF4-FFF2-40B4-BE49-F238E27FC236}">
+                <a16:creationId xmlns:a16="http://schemas.microsoft.com/office/drawing/2014/main" id="{7E0ECCEE-BC7A-0424-743A-3DF9A6CA2EBE}"/>
+              </a:ext>
+            </a:extLst>
+          </p:cNvPr>
+          <p:cNvCxnSpPr>
+            <a:cxnSpLocks/>
+            <a:stCxn id="151" idx="6"/>
+          </p:cNvCxnSpPr>
+          <p:nvPr/>
+        </p:nvCxnSpPr>
+        <p:spPr>
+          <a:xfrm>
+            <a:off x="7423585" y="4086572"/>
+            <a:ext cx="160401" cy="2618322"/>
+          </a:xfrm>
+          <a:prstGeom prst="curvedConnector2">
+            <a:avLst/>
+          </a:prstGeom>
+          <a:ln w="63500">
+            <a:solidFill>
+              <a:schemeClr val="tx1"/>
+            </a:solidFill>
+          </a:ln>
+        </p:spPr>
+        <p:style>
+          <a:lnRef idx="1">
+            <a:schemeClr val="accent1"/>
+          </a:lnRef>
+          <a:fillRef idx="0">
+            <a:schemeClr val="accent1"/>
+          </a:fillRef>
+          <a:effectRef idx="0">
+            <a:schemeClr val="accent1"/>
+          </a:effectRef>
+          <a:fontRef idx="minor">
+            <a:schemeClr val="tx1"/>
+          </a:fontRef>
+        </p:style>
+      </p:cxnSp>
+      <p:cxnSp>
+        <p:nvCxnSpPr>
+          <p:cNvPr id="115" name="연결선: 구부러짐 36">
+            <a:extLst>
+              <a:ext uri="{FF2B5EF4-FFF2-40B4-BE49-F238E27FC236}">
+                <a16:creationId xmlns:a16="http://schemas.microsoft.com/office/drawing/2014/main" id="{A673A411-1973-BB09-309A-A468BECF5660}"/>
+              </a:ext>
+            </a:extLst>
+          </p:cNvPr>
+          <p:cNvCxnSpPr>
+            <a:cxnSpLocks/>
+          </p:cNvCxnSpPr>
+          <p:nvPr/>
+        </p:nvCxnSpPr>
+        <p:spPr>
+          <a:xfrm rot="5400000" flipH="1" flipV="1">
+            <a:off x="6243246" y="5585950"/>
+            <a:ext cx="2225188" cy="12700"/>
+          </a:xfrm>
+          <a:prstGeom prst="curvedConnector3">
+            <a:avLst>
+              <a:gd name="adj1" fmla="val 50000"/>
+            </a:avLst>
+          </a:prstGeom>
+          <a:ln w="63500">
+            <a:solidFill>
+              <a:srgbClr val="C00000"/>
+            </a:solidFill>
+          </a:ln>
+        </p:spPr>
+        <p:style>
+          <a:lnRef idx="1">
+            <a:schemeClr val="accent1"/>
+          </a:lnRef>
+          <a:fillRef idx="0">
+            <a:schemeClr val="accent1"/>
+          </a:fillRef>
+          <a:effectRef idx="0">
+            <a:schemeClr val="accent1"/>
+          </a:effectRef>
+          <a:fontRef idx="minor">
+            <a:schemeClr val="tx1"/>
+          </a:fontRef>
+        </p:style>
+      </p:cxnSp>
+      <p:sp>
+        <p:nvSpPr>
+          <p:cNvPr id="118" name="타원 17">
+            <a:extLst>
+              <a:ext uri="{FF2B5EF4-FFF2-40B4-BE49-F238E27FC236}">
+                <a16:creationId xmlns:a16="http://schemas.microsoft.com/office/drawing/2014/main" id="{FAAF3E21-8DEB-3A8C-A457-0DC6D7FE0268}"/>
+              </a:ext>
+            </a:extLst>
+          </p:cNvPr>
+          <p:cNvSpPr/>
+          <p:nvPr/>
+        </p:nvSpPr>
+        <p:spPr>
+          <a:xfrm>
+            <a:off x="7221834" y="4300850"/>
+            <a:ext cx="198417" cy="189016"/>
+          </a:xfrm>
+          <a:prstGeom prst="ellipse">
+            <a:avLst/>
+          </a:prstGeom>
+          <a:solidFill>
+            <a:srgbClr val="C00000"/>
+          </a:solidFill>
+          <a:ln>
+            <a:noFill/>
+          </a:ln>
+        </p:spPr>
+        <p:style>
+          <a:lnRef idx="2">
+            <a:schemeClr val="accent1">
+              <a:shade val="50000"/>
+            </a:schemeClr>
+          </a:lnRef>
+          <a:fillRef idx="1">
+            <a:schemeClr val="accent1"/>
+          </a:fillRef>
+          <a:effectRef idx="0">
+            <a:schemeClr val="accent1"/>
+          </a:effectRef>
+          <a:fontRef idx="minor">
+            <a:schemeClr val="lt1"/>
+          </a:fontRef>
+        </p:style>
+        <p:txBody>
+          <a:bodyPr rtlCol="0" anchor="ctr"/>
+          <a:lstStyle/>
+          <a:p>
+            <a:pPr algn="ctr"/>
+            <a:endParaRPr lang="ko-KR" altLang="en-US"/>
+          </a:p>
+        </p:txBody>
+      </p:sp>
+      <p:cxnSp>
+        <p:nvCxnSpPr>
+          <p:cNvPr id="37" name="연결선: 구부러짐 36">
+            <a:extLst>
+              <a:ext uri="{FF2B5EF4-FFF2-40B4-BE49-F238E27FC236}">
+                <a16:creationId xmlns:a16="http://schemas.microsoft.com/office/drawing/2014/main" id="{75396071-42F7-F564-6C33-8DA0DCC3B088}"/>
+              </a:ext>
+            </a:extLst>
+          </p:cNvPr>
+          <p:cNvCxnSpPr>
+            <a:cxnSpLocks/>
+            <a:stCxn id="19" idx="2"/>
+            <a:endCxn id="18" idx="6"/>
+          </p:cNvCxnSpPr>
+          <p:nvPr/>
+        </p:nvCxnSpPr>
+        <p:spPr>
+          <a:xfrm rot="10800000" flipV="1">
+            <a:off x="3206778" y="4372497"/>
+            <a:ext cx="1306385" cy="83049"/>
+          </a:xfrm>
+          <a:prstGeom prst="curvedConnector3">
+            <a:avLst>
+              <a:gd name="adj1" fmla="val 50000"/>
+            </a:avLst>
+          </a:prstGeom>
+          <a:ln w="63500">
+            <a:solidFill>
+              <a:srgbClr val="FF0000"/>
+            </a:solidFill>
+          </a:ln>
+        </p:spPr>
+        <p:style>
+          <a:lnRef idx="1">
+            <a:schemeClr val="accent1"/>
+          </a:lnRef>
+          <a:fillRef idx="0">
+            <a:schemeClr val="accent1"/>
+          </a:fillRef>
+          <a:effectRef idx="0">
+            <a:schemeClr val="accent1"/>
+          </a:effectRef>
+          <a:fontRef idx="minor">
+            <a:schemeClr val="tx1"/>
+          </a:fontRef>
+        </p:style>
+      </p:cxnSp>
+      <p:sp>
+        <p:nvSpPr>
+          <p:cNvPr id="151" name="타원 5">
+            <a:extLst>
+              <a:ext uri="{FF2B5EF4-FFF2-40B4-BE49-F238E27FC236}">
+                <a16:creationId xmlns:a16="http://schemas.microsoft.com/office/drawing/2014/main" id="{719596BA-DFC1-40C7-8E34-99016C337D8C}"/>
+              </a:ext>
+            </a:extLst>
+          </p:cNvPr>
+          <p:cNvSpPr/>
+          <p:nvPr/>
+        </p:nvSpPr>
+        <p:spPr>
+          <a:xfrm>
+            <a:off x="7225168" y="3992064"/>
+            <a:ext cx="198417" cy="189016"/>
+          </a:xfrm>
+          <a:prstGeom prst="ellipse">
+            <a:avLst/>
+          </a:prstGeom>
+          <a:solidFill>
+            <a:schemeClr val="tx1"/>
+          </a:solidFill>
+          <a:ln>
+            <a:noFill/>
+          </a:ln>
+        </p:spPr>
+        <p:style>
+          <a:lnRef idx="2">
+            <a:schemeClr val="accent1">
+              <a:shade val="50000"/>
+            </a:schemeClr>
+          </a:lnRef>
+          <a:fillRef idx="1">
+            <a:schemeClr val="accent1"/>
+          </a:fillRef>
+          <a:effectRef idx="0">
+            <a:schemeClr val="accent1"/>
+          </a:effectRef>
+          <a:fontRef idx="minor">
+            <a:schemeClr val="lt1"/>
+          </a:fontRef>
+        </p:style>
+        <p:txBody>
+          <a:bodyPr rtlCol="0" anchor="ctr"/>
+          <a:lstStyle/>
+          <a:p>
+            <a:pPr algn="ctr"/>
+            <a:endParaRPr lang="ko-KR" altLang="en-US"/>
+          </a:p>
+        </p:txBody>
+      </p:sp>
+      <p:cxnSp>
+        <p:nvCxnSpPr>
+          <p:cNvPr id="31" name="연결선: 구부러짐 30">
+            <a:extLst>
+              <a:ext uri="{FF2B5EF4-FFF2-40B4-BE49-F238E27FC236}">
+                <a16:creationId xmlns:a16="http://schemas.microsoft.com/office/drawing/2014/main" id="{86ED168F-1985-DE6E-5FCF-8C14B7EA7A74}"/>
+              </a:ext>
+            </a:extLst>
+          </p:cNvPr>
+          <p:cNvCxnSpPr>
+            <a:cxnSpLocks/>
+            <a:stCxn id="6" idx="7"/>
+            <a:endCxn id="20" idx="6"/>
+          </p:cNvCxnSpPr>
+          <p:nvPr/>
+        </p:nvCxnSpPr>
+        <p:spPr>
+          <a:xfrm rot="16200000" flipH="1" flipV="1">
+            <a:off x="5071413" y="2166462"/>
+            <a:ext cx="157468" cy="3880682"/>
+          </a:xfrm>
+          <a:prstGeom prst="curvedConnector4">
+            <a:avLst>
+              <a:gd name="adj1" fmla="val -145172"/>
+              <a:gd name="adj2" fmla="val 52182"/>
+            </a:avLst>
+          </a:prstGeom>
+          <a:ln w="63500">
+            <a:solidFill>
+              <a:schemeClr val="tx1"/>
+            </a:solidFill>
+          </a:ln>
+        </p:spPr>
+        <p:style>
+          <a:lnRef idx="1">
+            <a:schemeClr val="accent1"/>
+          </a:lnRef>
+          <a:fillRef idx="0">
+            <a:schemeClr val="accent1"/>
+          </a:fillRef>
+          <a:effectRef idx="0">
+            <a:schemeClr val="accent1"/>
+          </a:effectRef>
+          <a:fontRef idx="minor">
+            <a:schemeClr val="tx1"/>
+          </a:fontRef>
+        </p:style>
+      </p:cxnSp>
+    </p:spTree>
+    <p:extLst>
+      <p:ext uri="{BB962C8B-B14F-4D97-AF65-F5344CB8AC3E}">
+        <p14:creationId xmlns:p14="http://schemas.microsoft.com/office/powerpoint/2010/main" val="1944151589"/>
+      </p:ext>
+    </p:extLst>
+  </p:cSld>
+  <p:clrMapOvr>
+    <a:masterClrMapping/>
+  </p:clrMapOvr>
+</p:sld>
+</file>
+
 <file path=ppt/theme/theme1.xml><?xml version="1.0" encoding="utf-8"?>
 <a:theme xmlns:a="http://schemas.openxmlformats.org/drawingml/2006/main" name="Office 테마">
   <a:themeElements>
